--- a/Лекции/Анализ вредоносного программного обеспечения.pptx
+++ b/Лекции/Анализ вредоносного программного обеспечения.pptx
@@ -7,7 +7,7 @@
     <p:sldMasterId id="2147483674" r:id="rId3"/>
   </p:sldMasterIdLst>
   <p:notesMasterIdLst>
-    <p:notesMasterId r:id="rId26"/>
+    <p:notesMasterId r:id="rId25"/>
   </p:notesMasterIdLst>
   <p:sldIdLst>
     <p:sldId id="256" r:id="rId4"/>
@@ -30,8 +30,7 @@
     <p:sldId id="274" r:id="rId21"/>
     <p:sldId id="276" r:id="rId22"/>
     <p:sldId id="277" r:id="rId23"/>
-    <p:sldId id="259" r:id="rId24"/>
-    <p:sldId id="260" r:id="rId25"/>
+    <p:sldId id="260" r:id="rId24"/>
   </p:sldIdLst>
   <p:sldSz cx="12192000" cy="6858000"/>
   <p:notesSz cx="6858000" cy="9144000"/>
@@ -494,135 +493,6 @@
 </p:notesMaster>
 </file>
 
-<file path=ppt/notesSlides/notesSlide1.xml><?xml version="1.0" encoding="utf-8"?>
-<p:notes xmlns:a="http://schemas.openxmlformats.org/drawingml/2006/main" xmlns:r="http://schemas.openxmlformats.org/officeDocument/2006/relationships" xmlns:p="http://schemas.openxmlformats.org/presentationml/2006/main">
-  <p:cSld>
-    <p:spTree>
-      <p:nvGrpSpPr>
-        <p:cNvPr id="1" name=""/>
-        <p:cNvGrpSpPr/>
-        <p:nvPr/>
-      </p:nvGrpSpPr>
-      <p:grpSpPr>
-        <a:xfrm>
-          <a:off x="0" y="0"/>
-          <a:ext cx="0" cy="0"/>
-          <a:chOff x="0" y="0"/>
-          <a:chExt cx="0" cy="0"/>
-        </a:xfrm>
-      </p:grpSpPr>
-      <p:sp>
-        <p:nvSpPr>
-          <p:cNvPr id="151" name="PlaceHolder 1"/>
-          <p:cNvSpPr>
-            <a:spLocks noGrp="1" noRot="1" noChangeAspect="1"/>
-          </p:cNvSpPr>
-          <p:nvPr>
-            <p:ph type="sldImg"/>
-          </p:nvPr>
-        </p:nvSpPr>
-        <p:spPr>
-          <a:xfrm>
-            <a:off x="685800" y="1143000"/>
-            <a:ext cx="5486400" cy="3086100"/>
-          </a:xfrm>
-          <a:prstGeom prst="rect">
-            <a:avLst/>
-          </a:prstGeom>
-          <a:ln w="0">
-            <a:noFill/>
-          </a:ln>
-        </p:spPr>
-      </p:sp>
-      <p:sp>
-        <p:nvSpPr>
-          <p:cNvPr id="152" name="PlaceHolder 2"/>
-          <p:cNvSpPr>
-            <a:spLocks noGrp="1"/>
-          </p:cNvSpPr>
-          <p:nvPr>
-            <p:ph type="body"/>
-          </p:nvPr>
-        </p:nvSpPr>
-        <p:spPr>
-          <a:xfrm>
-            <a:off x="685800" y="4400640"/>
-            <a:ext cx="5486040" cy="3600000"/>
-          </a:xfrm>
-          <a:prstGeom prst="rect">
-            <a:avLst/>
-          </a:prstGeom>
-          <a:noFill/>
-          <a:ln w="0">
-            <a:noFill/>
-          </a:ln>
-        </p:spPr>
-        <p:txBody>
-          <a:bodyPr anchor="t">
-            <a:noAutofit/>
-          </a:bodyPr>
-          <a:lstStyle/>
-          <a:p>
-            <a:endParaRPr lang="ru-RU" sz="2000" b="0" strike="noStrike" spc="-1">
-              <a:latin typeface="Arial"/>
-            </a:endParaRPr>
-          </a:p>
-        </p:txBody>
-      </p:sp>
-      <p:sp>
-        <p:nvSpPr>
-          <p:cNvPr id="153" name="PlaceHolder 3"/>
-          <p:cNvSpPr>
-            <a:spLocks noGrp="1"/>
-          </p:cNvSpPr>
-          <p:nvPr>
-            <p:ph type="sldNum"/>
-          </p:nvPr>
-        </p:nvSpPr>
-        <p:spPr>
-          <a:xfrm>
-            <a:off x="3884760" y="8685360"/>
-            <a:ext cx="2971440" cy="458280"/>
-          </a:xfrm>
-          <a:prstGeom prst="rect">
-            <a:avLst/>
-          </a:prstGeom>
-          <a:noFill/>
-          <a:ln w="0">
-            <a:noFill/>
-          </a:ln>
-        </p:spPr>
-        <p:txBody>
-          <a:bodyPr anchor="b">
-            <a:noAutofit/>
-          </a:bodyPr>
-          <a:lstStyle/>
-          <a:p>
-            <a:pPr algn="r">
-              <a:lnSpc>
-                <a:spcPct val="100000"/>
-              </a:lnSpc>
-            </a:pPr>
-            <a:fld id="{A3036160-825A-4C26-822E-FFB3228715AD}" type="slidenum">
-              <a:rPr lang="ru-RU" sz="1200" b="0" strike="noStrike" spc="-1">
-                <a:latin typeface="Times New Roman"/>
-              </a:rPr>
-              <a:t>21</a:t>
-            </a:fld>
-            <a:endParaRPr lang="ru-RU" sz="1200" b="0" strike="noStrike" spc="-1">
-              <a:latin typeface="Times New Roman"/>
-            </a:endParaRPr>
-          </a:p>
-        </p:txBody>
-      </p:sp>
-    </p:spTree>
-  </p:cSld>
-  <p:clrMapOvr>
-    <a:masterClrMapping/>
-  </p:clrMapOvr>
-</p:notes>
-</file>
-
 <file path=ppt/slideLayouts/slideLayout1.xml><?xml version="1.0" encoding="utf-8"?>
 <p:sldLayout xmlns:a="http://schemas.openxmlformats.org/drawingml/2006/main" xmlns:r="http://schemas.openxmlformats.org/officeDocument/2006/relationships" xmlns:p="http://schemas.openxmlformats.org/presentationml/2006/main" type="blank" preserve="1">
   <p:cSld name="Blank Slide">
@@ -5733,7 +5603,7 @@
                 </a:solidFill>
                 <a:latin typeface="Calibri"/>
               </a:rPr>
-              <a:t>21.12.2021</a:t>
+              <a:t>22.12.2021</a:t>
             </a:fld>
             <a:endParaRPr lang="ru-RU" sz="1200" b="0" strike="noStrike" spc="-1">
               <a:latin typeface="Times New Roman"/>
@@ -6577,7 +6447,7 @@
                 </a:solidFill>
                 <a:latin typeface="Calibri"/>
               </a:rPr>
-              <a:t>21.12.2021</a:t>
+              <a:t>22.12.2021</a:t>
             </a:fld>
             <a:endParaRPr lang="ru-RU" sz="1200" b="0" strike="noStrike" spc="-1">
               <a:latin typeface="Times New Roman"/>
@@ -7387,7 +7257,7 @@
                 </a:solidFill>
                 <a:latin typeface="Calibri"/>
               </a:rPr>
-              <a:t>21.12.2021</a:t>
+              <a:t>22.12.2021</a:t>
             </a:fld>
             <a:endParaRPr lang="ru-RU" sz="1200" b="0" strike="noStrike" spc="-1">
               <a:latin typeface="Times New Roman"/>
@@ -10299,10 +10169,7 @@
             </a:r>
           </a:p>
           <a:p>
-            <a:pPr marL="685800" lvl="1" indent="-228600">
-              <a:lnSpc>
-                <a:spcPct val="90000"/>
-              </a:lnSpc>
+            <a:pPr>
               <a:spcBef>
                 <a:spcPts val="499"/>
               </a:spcBef>
@@ -10313,7 +10180,7 @@
               <a:buChar char="•"/>
             </a:pPr>
             <a:r>
-              <a:rPr lang="ru-RU" sz="2400" b="0" strike="noStrike" spc="-1" dirty="0">
+              <a:rPr lang="ru-RU" b="0" strike="noStrike" spc="-1" dirty="0">
                 <a:solidFill>
                   <a:srgbClr val="000000"/>
                 </a:solidFill>
@@ -10703,500 +10570,6 @@
       </p:grpSpPr>
       <p:sp>
         <p:nvSpPr>
-          <p:cNvPr id="143" name="PlaceHolder 1"/>
-          <p:cNvSpPr>
-            <a:spLocks noGrp="1"/>
-          </p:cNvSpPr>
-          <p:nvPr>
-            <p:ph type="title"/>
-          </p:nvPr>
-        </p:nvSpPr>
-        <p:spPr>
-          <a:xfrm>
-            <a:off x="838080" y="365040"/>
-            <a:ext cx="10515240" cy="1325160"/>
-          </a:xfrm>
-          <a:prstGeom prst="rect">
-            <a:avLst/>
-          </a:prstGeom>
-          <a:noFill/>
-          <a:ln w="0">
-            <a:noFill/>
-          </a:ln>
-        </p:spPr>
-        <p:txBody>
-          <a:bodyPr anchor="ctr">
-            <a:noAutofit/>
-          </a:bodyPr>
-          <a:lstStyle/>
-          <a:p>
-            <a:pPr>
-              <a:lnSpc>
-                <a:spcPct val="90000"/>
-              </a:lnSpc>
-            </a:pPr>
-            <a:r>
-              <a:rPr lang="ru-RU" sz="4400" b="0" strike="noStrike" spc="-1">
-                <a:solidFill>
-                  <a:srgbClr val="000000"/>
-                </a:solidFill>
-                <a:latin typeface="Calibri Light"/>
-              </a:rPr>
-              <a:t>Результат изучения модуля</a:t>
-            </a:r>
-            <a:endParaRPr lang="ru-RU" sz="4400" b="0" strike="noStrike" spc="-1">
-              <a:solidFill>
-                <a:srgbClr val="000000"/>
-              </a:solidFill>
-              <a:latin typeface="Calibri"/>
-            </a:endParaRPr>
-          </a:p>
-        </p:txBody>
-      </p:sp>
-      <p:sp>
-        <p:nvSpPr>
-          <p:cNvPr id="145" name="PlaceHolder 3"/>
-          <p:cNvSpPr>
-            <a:spLocks noGrp="1"/>
-          </p:cNvSpPr>
-          <p:nvPr>
-            <p:ph type="sldNum"/>
-          </p:nvPr>
-        </p:nvSpPr>
-        <p:spPr>
-          <a:xfrm>
-            <a:off x="8610480" y="6356520"/>
-            <a:ext cx="2742840" cy="364680"/>
-          </a:xfrm>
-          <a:prstGeom prst="rect">
-            <a:avLst/>
-          </a:prstGeom>
-          <a:noFill/>
-          <a:ln w="0">
-            <a:noFill/>
-          </a:ln>
-        </p:spPr>
-        <p:txBody>
-          <a:bodyPr anchor="ctr">
-            <a:noAutofit/>
-          </a:bodyPr>
-          <a:lstStyle/>
-          <a:p>
-            <a:pPr algn="r">
-              <a:lnSpc>
-                <a:spcPct val="100000"/>
-              </a:lnSpc>
-            </a:pPr>
-            <a:fld id="{18C4C319-C450-4336-9FB0-E8146C45CBAD}" type="slidenum">
-              <a:rPr lang="ru-RU" sz="1200" b="0" strike="noStrike" spc="-1">
-                <a:solidFill>
-                  <a:srgbClr val="8B8B8B"/>
-                </a:solidFill>
-                <a:latin typeface="Calibri"/>
-              </a:rPr>
-              <a:t>21</a:t>
-            </a:fld>
-            <a:endParaRPr lang="ru-RU" sz="1200" b="0" strike="noStrike" spc="-1">
-              <a:latin typeface="Times New Roman"/>
-            </a:endParaRPr>
-          </a:p>
-        </p:txBody>
-      </p:sp>
-      <p:pic>
-        <p:nvPicPr>
-          <p:cNvPr id="146" name="Объект 1"/>
-          <p:cNvPicPr/>
-          <p:nvPr/>
-        </p:nvPicPr>
-        <p:blipFill>
-          <a:blip r:embed="rId3"/>
-          <a:srcRect r="40339"/>
-          <a:stretch/>
-        </p:blipFill>
-        <p:spPr>
-          <a:xfrm>
-            <a:off x="0" y="25560"/>
-            <a:ext cx="1342440" cy="434160"/>
-          </a:xfrm>
-          <a:prstGeom prst="rect">
-            <a:avLst/>
-          </a:prstGeom>
-          <a:ln w="0">
-            <a:noFill/>
-          </a:ln>
-        </p:spPr>
-      </p:pic>
-      <p:sp>
-        <p:nvSpPr>
-          <p:cNvPr id="6" name="PlaceHolder 2">
-            <a:extLst>
-              <a:ext uri="{FF2B5EF4-FFF2-40B4-BE49-F238E27FC236}">
-                <a16:creationId xmlns:a16="http://schemas.microsoft.com/office/drawing/2014/main" id="{AF47F9D4-1B90-4309-98A7-67571381F0B5}"/>
-              </a:ext>
-            </a:extLst>
-          </p:cNvPr>
-          <p:cNvSpPr txBox="1">
-            <a:spLocks/>
-          </p:cNvSpPr>
-          <p:nvPr/>
-        </p:nvSpPr>
-        <p:spPr>
-          <a:xfrm>
-            <a:off x="838080" y="1825560"/>
-            <a:ext cx="10515240" cy="4350960"/>
-          </a:xfrm>
-          <a:prstGeom prst="rect">
-            <a:avLst/>
-          </a:prstGeom>
-          <a:noFill/>
-          <a:ln w="0">
-            <a:noFill/>
-          </a:ln>
-        </p:spPr>
-        <p:txBody>
-          <a:bodyPr anchor="t">
-            <a:noAutofit/>
-          </a:bodyPr>
-          <a:lstStyle>
-            <a:lvl1pPr marL="228600" indent="-228600" algn="l" defTabSz="914400" rtl="0" eaLnBrk="1" latinLnBrk="0" hangingPunct="1">
-              <a:lnSpc>
-                <a:spcPct val="90000"/>
-              </a:lnSpc>
-              <a:spcBef>
-                <a:spcPts val="1000"/>
-              </a:spcBef>
-              <a:buFont typeface="Arial" panose="020B0604020202020204" pitchFamily="34" charset="0"/>
-              <a:buChar char="•"/>
-              <a:defRPr sz="2800" kern="1200">
-                <a:solidFill>
-                  <a:schemeClr val="tx1"/>
-                </a:solidFill>
-                <a:latin typeface="+mn-lt"/>
-                <a:ea typeface="+mn-ea"/>
-                <a:cs typeface="+mn-cs"/>
-              </a:defRPr>
-            </a:lvl1pPr>
-            <a:lvl2pPr marL="685800" indent="-228600" algn="l" defTabSz="914400" rtl="0" eaLnBrk="1" latinLnBrk="0" hangingPunct="1">
-              <a:lnSpc>
-                <a:spcPct val="90000"/>
-              </a:lnSpc>
-              <a:spcBef>
-                <a:spcPts val="500"/>
-              </a:spcBef>
-              <a:buFont typeface="Arial" panose="020B0604020202020204" pitchFamily="34" charset="0"/>
-              <a:buChar char="•"/>
-              <a:defRPr sz="2400" kern="1200">
-                <a:solidFill>
-                  <a:schemeClr val="tx1"/>
-                </a:solidFill>
-                <a:latin typeface="+mn-lt"/>
-                <a:ea typeface="+mn-ea"/>
-                <a:cs typeface="+mn-cs"/>
-              </a:defRPr>
-            </a:lvl2pPr>
-            <a:lvl3pPr marL="1143000" indent="-228600" algn="l" defTabSz="914400" rtl="0" eaLnBrk="1" latinLnBrk="0" hangingPunct="1">
-              <a:lnSpc>
-                <a:spcPct val="90000"/>
-              </a:lnSpc>
-              <a:spcBef>
-                <a:spcPts val="500"/>
-              </a:spcBef>
-              <a:buFont typeface="Arial" panose="020B0604020202020204" pitchFamily="34" charset="0"/>
-              <a:buChar char="•"/>
-              <a:defRPr sz="2000" kern="1200">
-                <a:solidFill>
-                  <a:schemeClr val="tx1"/>
-                </a:solidFill>
-                <a:latin typeface="+mn-lt"/>
-                <a:ea typeface="+mn-ea"/>
-                <a:cs typeface="+mn-cs"/>
-              </a:defRPr>
-            </a:lvl3pPr>
-            <a:lvl4pPr marL="1600200" indent="-228600" algn="l" defTabSz="914400" rtl="0" eaLnBrk="1" latinLnBrk="0" hangingPunct="1">
-              <a:lnSpc>
-                <a:spcPct val="90000"/>
-              </a:lnSpc>
-              <a:spcBef>
-                <a:spcPts val="500"/>
-              </a:spcBef>
-              <a:buFont typeface="Arial" panose="020B0604020202020204" pitchFamily="34" charset="0"/>
-              <a:buChar char="•"/>
-              <a:defRPr sz="1800" kern="1200">
-                <a:solidFill>
-                  <a:schemeClr val="tx1"/>
-                </a:solidFill>
-                <a:latin typeface="+mn-lt"/>
-                <a:ea typeface="+mn-ea"/>
-                <a:cs typeface="+mn-cs"/>
-              </a:defRPr>
-            </a:lvl4pPr>
-            <a:lvl5pPr marL="2057400" indent="-228600" algn="l" defTabSz="914400" rtl="0" eaLnBrk="1" latinLnBrk="0" hangingPunct="1">
-              <a:lnSpc>
-                <a:spcPct val="90000"/>
-              </a:lnSpc>
-              <a:spcBef>
-                <a:spcPts val="500"/>
-              </a:spcBef>
-              <a:buFont typeface="Arial" panose="020B0604020202020204" pitchFamily="34" charset="0"/>
-              <a:buChar char="•"/>
-              <a:defRPr sz="1800" kern="1200">
-                <a:solidFill>
-                  <a:schemeClr val="tx1"/>
-                </a:solidFill>
-                <a:latin typeface="+mn-lt"/>
-                <a:ea typeface="+mn-ea"/>
-                <a:cs typeface="+mn-cs"/>
-              </a:defRPr>
-            </a:lvl5pPr>
-            <a:lvl6pPr marL="2514600" indent="-228600" algn="l" defTabSz="914400" rtl="0" eaLnBrk="1" latinLnBrk="0" hangingPunct="1">
-              <a:lnSpc>
-                <a:spcPct val="90000"/>
-              </a:lnSpc>
-              <a:spcBef>
-                <a:spcPts val="500"/>
-              </a:spcBef>
-              <a:buFont typeface="Arial" panose="020B0604020202020204" pitchFamily="34" charset="0"/>
-              <a:buChar char="•"/>
-              <a:defRPr sz="1800" kern="1200">
-                <a:solidFill>
-                  <a:schemeClr val="tx1"/>
-                </a:solidFill>
-                <a:latin typeface="+mn-lt"/>
-                <a:ea typeface="+mn-ea"/>
-                <a:cs typeface="+mn-cs"/>
-              </a:defRPr>
-            </a:lvl6pPr>
-            <a:lvl7pPr marL="2971800" indent="-228600" algn="l" defTabSz="914400" rtl="0" eaLnBrk="1" latinLnBrk="0" hangingPunct="1">
-              <a:lnSpc>
-                <a:spcPct val="90000"/>
-              </a:lnSpc>
-              <a:spcBef>
-                <a:spcPts val="500"/>
-              </a:spcBef>
-              <a:buFont typeface="Arial" panose="020B0604020202020204" pitchFamily="34" charset="0"/>
-              <a:buChar char="•"/>
-              <a:defRPr sz="1800" kern="1200">
-                <a:solidFill>
-                  <a:schemeClr val="tx1"/>
-                </a:solidFill>
-                <a:latin typeface="+mn-lt"/>
-                <a:ea typeface="+mn-ea"/>
-                <a:cs typeface="+mn-cs"/>
-              </a:defRPr>
-            </a:lvl7pPr>
-            <a:lvl8pPr marL="3429000" indent="-228600" algn="l" defTabSz="914400" rtl="0" eaLnBrk="1" latinLnBrk="0" hangingPunct="1">
-              <a:lnSpc>
-                <a:spcPct val="90000"/>
-              </a:lnSpc>
-              <a:spcBef>
-                <a:spcPts val="500"/>
-              </a:spcBef>
-              <a:buFont typeface="Arial" panose="020B0604020202020204" pitchFamily="34" charset="0"/>
-              <a:buChar char="•"/>
-              <a:defRPr sz="1800" kern="1200">
-                <a:solidFill>
-                  <a:schemeClr val="tx1"/>
-                </a:solidFill>
-                <a:latin typeface="+mn-lt"/>
-                <a:ea typeface="+mn-ea"/>
-                <a:cs typeface="+mn-cs"/>
-              </a:defRPr>
-            </a:lvl8pPr>
-            <a:lvl9pPr marL="3886200" indent="-228600" algn="l" defTabSz="914400" rtl="0" eaLnBrk="1" latinLnBrk="0" hangingPunct="1">
-              <a:lnSpc>
-                <a:spcPct val="90000"/>
-              </a:lnSpc>
-              <a:spcBef>
-                <a:spcPts val="500"/>
-              </a:spcBef>
-              <a:buFont typeface="Arial" panose="020B0604020202020204" pitchFamily="34" charset="0"/>
-              <a:buChar char="•"/>
-              <a:defRPr sz="1800" kern="1200">
-                <a:solidFill>
-                  <a:schemeClr val="tx1"/>
-                </a:solidFill>
-                <a:latin typeface="+mn-lt"/>
-                <a:ea typeface="+mn-ea"/>
-                <a:cs typeface="+mn-cs"/>
-              </a:defRPr>
-            </a:lvl9pPr>
-          </a:lstStyle>
-          <a:p>
-            <a:pPr>
-              <a:spcBef>
-                <a:spcPts val="1001"/>
-              </a:spcBef>
-              <a:buClr>
-                <a:srgbClr val="000000"/>
-              </a:buClr>
-              <a:buFont typeface="Arial"/>
-              <a:buChar char="•"/>
-            </a:pPr>
-            <a:r>
-              <a:rPr lang="ru-RU" spc="-1">
-                <a:solidFill>
-                  <a:srgbClr val="000000"/>
-                </a:solidFill>
-                <a:latin typeface="Calibri"/>
-              </a:rPr>
-              <a:t>Вредоносное программное обеспечение</a:t>
-            </a:r>
-            <a:r>
-              <a:rPr lang="en-US" spc="-1">
-                <a:solidFill>
-                  <a:srgbClr val="000000"/>
-                </a:solidFill>
-                <a:latin typeface="Calibri"/>
-              </a:rPr>
-              <a:t>:</a:t>
-            </a:r>
-            <a:endParaRPr lang="ru-RU" spc="-1">
-              <a:solidFill>
-                <a:srgbClr val="000000"/>
-              </a:solidFill>
-              <a:latin typeface="Calibri"/>
-            </a:endParaRPr>
-          </a:p>
-          <a:p>
-            <a:pPr lvl="1">
-              <a:spcBef>
-                <a:spcPts val="499"/>
-              </a:spcBef>
-              <a:buClr>
-                <a:srgbClr val="000000"/>
-              </a:buClr>
-              <a:buFont typeface="Arial"/>
-              <a:buChar char="•"/>
-            </a:pPr>
-            <a:r>
-              <a:rPr lang="ru-RU" spc="-1">
-                <a:solidFill>
-                  <a:srgbClr val="000000"/>
-                </a:solidFill>
-                <a:latin typeface="Calibri"/>
-              </a:rPr>
-              <a:t>Определение</a:t>
-            </a:r>
-          </a:p>
-          <a:p>
-            <a:pPr lvl="1">
-              <a:spcBef>
-                <a:spcPts val="499"/>
-              </a:spcBef>
-              <a:buClr>
-                <a:srgbClr val="000000"/>
-              </a:buClr>
-              <a:buFont typeface="Arial"/>
-              <a:buChar char="•"/>
-            </a:pPr>
-            <a:r>
-              <a:rPr lang="ru-RU" spc="-1">
-                <a:solidFill>
-                  <a:srgbClr val="000000"/>
-                </a:solidFill>
-                <a:latin typeface="Calibri"/>
-              </a:rPr>
-              <a:t>Обнаружение, распространение, классификация</a:t>
-            </a:r>
-          </a:p>
-          <a:p>
-            <a:pPr lvl="1">
-              <a:spcBef>
-                <a:spcPts val="499"/>
-              </a:spcBef>
-              <a:buClr>
-                <a:srgbClr val="000000"/>
-              </a:buClr>
-              <a:buFont typeface="Arial"/>
-              <a:buChar char="•"/>
-            </a:pPr>
-            <a:r>
-              <a:rPr lang="ru-RU" spc="-1">
-                <a:solidFill>
-                  <a:srgbClr val="000000"/>
-                </a:solidFill>
-                <a:latin typeface="Calibri"/>
-              </a:rPr>
-              <a:t>Методы машинного обучения в классификации вредоносного ПО</a:t>
-            </a:r>
-          </a:p>
-          <a:p>
-            <a:pPr lvl="1">
-              <a:spcBef>
-                <a:spcPts val="499"/>
-              </a:spcBef>
-              <a:buClr>
-                <a:srgbClr val="000000"/>
-              </a:buClr>
-              <a:buFont typeface="Arial"/>
-              <a:buChar char="•"/>
-            </a:pPr>
-            <a:r>
-              <a:rPr lang="ru-RU" spc="-1">
-                <a:solidFill>
-                  <a:srgbClr val="000000"/>
-                </a:solidFill>
-                <a:latin typeface="Calibri"/>
-              </a:rPr>
-              <a:t>Поведение вредоносного ПО</a:t>
-            </a:r>
-          </a:p>
-          <a:p>
-            <a:pPr lvl="1">
-              <a:spcBef>
-                <a:spcPts val="499"/>
-              </a:spcBef>
-              <a:buClr>
-                <a:srgbClr val="000000"/>
-              </a:buClr>
-              <a:buFont typeface="Arial"/>
-              <a:buChar char="•"/>
-            </a:pPr>
-            <a:r>
-              <a:rPr lang="ru-RU" spc="-1">
-                <a:solidFill>
-                  <a:srgbClr val="000000"/>
-                </a:solidFill>
-                <a:latin typeface="Calibri"/>
-              </a:rPr>
-              <a:t>Генерация и выбор признаков</a:t>
-            </a:r>
-            <a:endParaRPr lang="ru-RU" spc="-1" dirty="0">
-              <a:solidFill>
-                <a:srgbClr val="000000"/>
-              </a:solidFill>
-              <a:latin typeface="Calibri"/>
-            </a:endParaRPr>
-          </a:p>
-        </p:txBody>
-      </p:sp>
-    </p:spTree>
-  </p:cSld>
-  <p:clrMapOvr>
-    <a:masterClrMapping/>
-  </p:clrMapOvr>
-</p:sld>
-</file>
-
-<file path=ppt/slides/slide22.xml><?xml version="1.0" encoding="utf-8"?>
-<p:sld xmlns:a="http://schemas.openxmlformats.org/drawingml/2006/main" xmlns:r="http://schemas.openxmlformats.org/officeDocument/2006/relationships" xmlns:p="http://schemas.openxmlformats.org/presentationml/2006/main">
-  <p:cSld>
-    <p:spTree>
-      <p:nvGrpSpPr>
-        <p:cNvPr id="1" name=""/>
-        <p:cNvGrpSpPr/>
-        <p:nvPr/>
-      </p:nvGrpSpPr>
-      <p:grpSpPr>
-        <a:xfrm>
-          <a:off x="0" y="0"/>
-          <a:ext cx="0" cy="0"/>
-          <a:chOff x="0" y="0"/>
-          <a:chExt cx="0" cy="0"/>
-        </a:xfrm>
-      </p:grpSpPr>
-      <p:sp>
-        <p:nvSpPr>
           <p:cNvPr id="147" name="Прямоугольник 2"/>
           <p:cNvSpPr/>
           <p:nvPr/>
@@ -11353,7 +10726,7 @@
                 </a:solidFill>
                 <a:latin typeface="Calibri"/>
               </a:rPr>
-              <a:t>22</a:t>
+              <a:t>21</a:t>
             </a:fld>
             <a:endParaRPr lang="ru-RU" sz="1200" b="0" strike="noStrike" spc="-1">
               <a:latin typeface="Times New Roman"/>
@@ -11515,7 +10888,133 @@
                 </a:solidFill>
                 <a:latin typeface="Calibri"/>
               </a:rPr>
-              <a:t>) — это область исследования функциональных возможностей. целей, происхождения и потенциального воздействия вредоносного ПО.</a:t>
+              <a:t>) это область исследования функциональных возможностей, целей, происхождения и потенциального воздействия вредоносного ПО</a:t>
+            </a:r>
+          </a:p>
+          <a:p>
+            <a:pPr>
+              <a:spcBef>
+                <a:spcPts val="1001"/>
+              </a:spcBef>
+              <a:buClr>
+                <a:srgbClr val="000000"/>
+              </a:buClr>
+              <a:buFont typeface="Arial"/>
+              <a:buChar char="•"/>
+            </a:pPr>
+            <a:r>
+              <a:rPr lang="ru-RU" sz="2800" b="0" strike="noStrike" spc="-1" dirty="0">
+                <a:solidFill>
+                  <a:srgbClr val="000000"/>
+                </a:solidFill>
+                <a:latin typeface="Calibri"/>
+              </a:rPr>
+              <a:t>Атаки с использованием </a:t>
+            </a:r>
+            <a:r>
+              <a:rPr lang="ru-RU" spc="-1" dirty="0">
+                <a:solidFill>
+                  <a:srgbClr val="000000"/>
+                </a:solidFill>
+                <a:latin typeface="Calibri"/>
+              </a:rPr>
+              <a:t>различных типов вредоносного программного обеспечения по статистике являются одними из самых популярных</a:t>
+            </a:r>
+          </a:p>
+          <a:p>
+            <a:pPr>
+              <a:spcBef>
+                <a:spcPts val="1001"/>
+              </a:spcBef>
+              <a:buClr>
+                <a:srgbClr val="000000"/>
+              </a:buClr>
+              <a:buFont typeface="Arial"/>
+              <a:buChar char="•"/>
+            </a:pPr>
+            <a:r>
+              <a:rPr lang="ru-RU" sz="2800" b="0" strike="noStrike" spc="-1" dirty="0">
+                <a:solidFill>
+                  <a:srgbClr val="000000"/>
+                </a:solidFill>
+                <a:latin typeface="Calibri"/>
+              </a:rPr>
+              <a:t>Несмотря на постоянную борьбу с «</a:t>
+            </a:r>
+            <a:r>
+              <a:rPr lang="ru-RU" sz="2800" b="0" strike="noStrike" spc="-1" dirty="0" err="1">
+                <a:solidFill>
+                  <a:srgbClr val="000000"/>
+                </a:solidFill>
+                <a:latin typeface="Calibri"/>
+              </a:rPr>
+              <a:t>вредоносами</a:t>
+            </a:r>
+            <a:r>
+              <a:rPr lang="ru-RU" sz="2800" b="0" strike="noStrike" spc="-1" dirty="0">
+                <a:solidFill>
+                  <a:srgbClr val="000000"/>
+                </a:solidFill>
+                <a:latin typeface="Calibri"/>
+              </a:rPr>
+              <a:t>» (создание антивирусных программ и баз данных паттернов </a:t>
+            </a:r>
+            <a:r>
+              <a:rPr lang="ru-RU" sz="2800" b="0" strike="noStrike" spc="-1" dirty="0" err="1">
+                <a:solidFill>
+                  <a:srgbClr val="000000"/>
+                </a:solidFill>
+                <a:latin typeface="Calibri"/>
+              </a:rPr>
+              <a:t>вредоносов</a:t>
+            </a:r>
+            <a:r>
+              <a:rPr lang="ru-RU" sz="2800" b="0" strike="noStrike" spc="-1" dirty="0">
+                <a:solidFill>
+                  <a:srgbClr val="000000"/>
+                </a:solidFill>
+                <a:latin typeface="Calibri"/>
+              </a:rPr>
+              <a:t>) постоянно появляются новые виды вредоносных программ, в том числе с использованием анализа открытого кода и машинного обучения</a:t>
+            </a:r>
+          </a:p>
+          <a:p>
+            <a:pPr>
+              <a:spcBef>
+                <a:spcPts val="1001"/>
+              </a:spcBef>
+              <a:buClr>
+                <a:srgbClr val="000000"/>
+              </a:buClr>
+              <a:buFont typeface="Arial"/>
+              <a:buChar char="•"/>
+            </a:pPr>
+            <a:r>
+              <a:rPr lang="ru-RU" spc="-1" dirty="0">
+                <a:solidFill>
+                  <a:srgbClr val="000000"/>
+                </a:solidFill>
+                <a:latin typeface="Calibri"/>
+              </a:rPr>
+              <a:t>Анализ </a:t>
+            </a:r>
+            <a:r>
+              <a:rPr lang="ru-RU" spc="-1" dirty="0" err="1">
+                <a:solidFill>
+                  <a:srgbClr val="000000"/>
+                </a:solidFill>
+                <a:latin typeface="Calibri"/>
+              </a:rPr>
+              <a:t>вредоносов</a:t>
+            </a:r>
+            <a:r>
+              <a:rPr lang="ru-RU" spc="-1" dirty="0">
+                <a:solidFill>
+                  <a:srgbClr val="000000"/>
+                </a:solidFill>
+                <a:latin typeface="Calibri"/>
+              </a:rPr>
+              <a:t> является важной частью кибербезопасности и для эффективности этого процесса можно привлекать ИИ</a:t>
             </a:r>
             <a:endParaRPr lang="ru-RU" sz="2800" b="0" strike="noStrike" spc="-1" dirty="0">
               <a:solidFill>

--- a/Лекции/Анализ вредоносного программного обеспечения.pptx
+++ b/Лекции/Анализ вредоносного программного обеспечения.pptx
@@ -5603,7 +5603,7 @@
                 </a:solidFill>
                 <a:latin typeface="Calibri"/>
               </a:rPr>
-              <a:t>22.12.2021</a:t>
+              <a:t>24.12.2021</a:t>
             </a:fld>
             <a:endParaRPr lang="ru-RU" sz="1200" b="0" strike="noStrike" spc="-1">
               <a:latin typeface="Times New Roman"/>
@@ -6447,7 +6447,7 @@
                 </a:solidFill>
                 <a:latin typeface="Calibri"/>
               </a:rPr>
-              <a:t>22.12.2021</a:t>
+              <a:t>24.12.2021</a:t>
             </a:fld>
             <a:endParaRPr lang="ru-RU" sz="1200" b="0" strike="noStrike" spc="-1">
               <a:latin typeface="Times New Roman"/>
@@ -7257,7 +7257,7 @@
                 </a:solidFill>
                 <a:latin typeface="Calibri"/>
               </a:rPr>
-              <a:t>22.12.2021</a:t>
+              <a:t>24.12.2021</a:t>
             </a:fld>
             <a:endParaRPr lang="ru-RU" sz="1200" b="0" strike="noStrike" spc="-1">
               <a:latin typeface="Times New Roman"/>
@@ -7746,104 +7746,6 @@
           </a:p>
         </p:txBody>
       </p:sp>
-      <p:sp>
-        <p:nvSpPr>
-          <p:cNvPr id="132" name="Прямоугольник 6"/>
-          <p:cNvSpPr/>
-          <p:nvPr/>
-        </p:nvSpPr>
-        <p:spPr>
-          <a:xfrm>
-            <a:off x="972720" y="5483880"/>
-            <a:ext cx="4061160" cy="913320"/>
-          </a:xfrm>
-          <a:prstGeom prst="rect">
-            <a:avLst/>
-          </a:prstGeom>
-          <a:noFill/>
-          <a:ln w="0">
-            <a:noFill/>
-          </a:ln>
-        </p:spPr>
-        <p:style>
-          <a:lnRef idx="0">
-            <a:scrgbClr r="0" g="0" b="0"/>
-          </a:lnRef>
-          <a:fillRef idx="0">
-            <a:scrgbClr r="0" g="0" b="0"/>
-          </a:fillRef>
-          <a:effectRef idx="0">
-            <a:scrgbClr r="0" g="0" b="0"/>
-          </a:effectRef>
-          <a:fontRef idx="minor"/>
-        </p:style>
-        <p:txBody>
-          <a:bodyPr wrap="none" lIns="90000" tIns="45000" rIns="90000" bIns="45000" anchor="t">
-            <a:spAutoFit/>
-          </a:bodyPr>
-          <a:lstStyle/>
-          <a:p>
-            <a:pPr>
-              <a:lnSpc>
-                <a:spcPct val="100000"/>
-              </a:lnSpc>
-            </a:pPr>
-            <a:r>
-              <a:rPr lang="ru-RU" sz="1800" b="0" strike="noStrike" spc="-1">
-                <a:solidFill>
-                  <a:srgbClr val="FFFFFF"/>
-                </a:solidFill>
-                <a:latin typeface="Arial"/>
-                <a:ea typeface="Tahoma"/>
-              </a:rPr>
-              <a:t>Алексей Синадский</a:t>
-            </a:r>
-            <a:endParaRPr lang="ru-RU" sz="1800" b="0" strike="noStrike" spc="-1">
-              <a:latin typeface="Arial"/>
-            </a:endParaRPr>
-          </a:p>
-          <a:p>
-            <a:pPr>
-              <a:lnSpc>
-                <a:spcPct val="100000"/>
-              </a:lnSpc>
-            </a:pPr>
-            <a:r>
-              <a:rPr lang="ru-RU" sz="1800" b="0" strike="noStrike" spc="-1">
-                <a:solidFill>
-                  <a:srgbClr val="FFFFFF"/>
-                </a:solidFill>
-                <a:latin typeface="Arial"/>
-                <a:ea typeface="Tahoma"/>
-              </a:rPr>
-              <a:t>Ассистент УНЦ ИБ ИРИТ-РТФ УРФУ</a:t>
-            </a:r>
-            <a:endParaRPr lang="ru-RU" sz="1800" b="0" strike="noStrike" spc="-1">
-              <a:latin typeface="Arial"/>
-            </a:endParaRPr>
-          </a:p>
-          <a:p>
-            <a:pPr>
-              <a:lnSpc>
-                <a:spcPct val="100000"/>
-              </a:lnSpc>
-            </a:pPr>
-            <a:r>
-              <a:rPr lang="en-US" sz="1800" b="0" strike="noStrike" spc="-1">
-                <a:solidFill>
-                  <a:srgbClr val="FFFFFF"/>
-                </a:solidFill>
-                <a:latin typeface="Arial"/>
-                <a:ea typeface="Tahoma"/>
-              </a:rPr>
-              <a:t>a.n.sinadsky@urfu.ru</a:t>
-            </a:r>
-            <a:endParaRPr lang="ru-RU" sz="1800" b="0" strike="noStrike" spc="-1">
-              <a:latin typeface="Arial"/>
-            </a:endParaRPr>
-          </a:p>
-        </p:txBody>
-      </p:sp>
       <p:pic>
         <p:nvPicPr>
           <p:cNvPr id="133" name="Рисунок 7"/>
@@ -7868,6 +7770,77 @@
           </a:ln>
         </p:spPr>
       </p:pic>
+      <p:sp>
+        <p:nvSpPr>
+          <p:cNvPr id="7" name="Прямоугольник 6">
+            <a:extLst>
+              <a:ext uri="{FF2B5EF4-FFF2-40B4-BE49-F238E27FC236}">
+                <a16:creationId xmlns:a16="http://schemas.microsoft.com/office/drawing/2014/main" id="{47BE7A8F-A1C7-4C7A-98EC-41508716A246}"/>
+              </a:ext>
+            </a:extLst>
+          </p:cNvPr>
+          <p:cNvSpPr/>
+          <p:nvPr/>
+        </p:nvSpPr>
+        <p:spPr>
+          <a:xfrm>
+            <a:off x="952052" y="5484010"/>
+            <a:ext cx="2924583" cy="923330"/>
+          </a:xfrm>
+          <a:prstGeom prst="rect">
+            <a:avLst/>
+          </a:prstGeom>
+        </p:spPr>
+        <p:txBody>
+          <a:bodyPr wrap="none">
+            <a:spAutoFit/>
+          </a:bodyPr>
+          <a:lstStyle/>
+          <a:p>
+            <a:r>
+              <a:rPr lang="ru-RU" b="1" dirty="0">
+                <a:solidFill>
+                  <a:schemeClr val="bg1"/>
+                </a:solidFill>
+                <a:latin typeface="Arial" panose="020B0604020202020204" pitchFamily="34" charset="0"/>
+                <a:cs typeface="Arial" panose="020B0604020202020204" pitchFamily="34" charset="0"/>
+              </a:rPr>
+              <a:t>Фамилия Имя Отчество</a:t>
+            </a:r>
+          </a:p>
+          <a:p>
+            <a:r>
+              <a:rPr lang="ru-RU" dirty="0">
+                <a:solidFill>
+                  <a:schemeClr val="bg1"/>
+                </a:solidFill>
+                <a:latin typeface="Arial" panose="020B0604020202020204" pitchFamily="34" charset="0"/>
+                <a:cs typeface="Arial" panose="020B0604020202020204" pitchFamily="34" charset="0"/>
+              </a:rPr>
+              <a:t>должность</a:t>
+            </a:r>
+            <a:br>
+              <a:rPr lang="en-US" dirty="0">
+                <a:solidFill>
+                  <a:schemeClr val="bg1"/>
+                </a:solidFill>
+                <a:latin typeface="Arial" panose="020B0604020202020204" pitchFamily="34" charset="0"/>
+                <a:cs typeface="Arial" panose="020B0604020202020204" pitchFamily="34" charset="0"/>
+              </a:rPr>
+            </a:br>
+            <a:r>
+              <a:rPr lang="ru-RU" dirty="0">
+                <a:solidFill>
+                  <a:schemeClr val="bg1"/>
+                </a:solidFill>
+                <a:latin typeface="Arial" panose="020B0604020202020204" pitchFamily="34" charset="0"/>
+                <a:cs typeface="Arial" panose="020B0604020202020204" pitchFamily="34" charset="0"/>
+              </a:rPr>
+              <a:t>контакты</a:t>
+            </a:r>
+          </a:p>
+        </p:txBody>
+      </p:sp>
     </p:spTree>
   </p:cSld>
   <p:clrMapOvr>
